--- a/Vortrag/Haller.Philipp.Slides_Final.pptx
+++ b/Vortrag/Haller.Philipp.Slides_Final.pptx
@@ -8949,8 +8949,8 @@
               </a:spcBef>
             </a:pPr>
             <a:r>
-              <a:rPr lang="de-DE" dirty="0" err="1"/>
-              <a:t>Automization</a:t>
+              <a:rPr lang="de-DE"/>
+              <a:t>Automation</a:t>
             </a:r>
             <a:endParaRPr lang="de-DE" dirty="0"/>
           </a:p>
